--- a/salary_predictor.pptx
+++ b/salary_predictor.pptx
@@ -200,7 +200,7 @@
           <a:p>
             <a:fld id="{D81BD1F0-6E94-A746-AACB-A1B907886434}" type="datetimeFigureOut">
               <a:rPr lang="en-IT" smtClean="0"/>
-              <a:t>03/09/23</a:t>
+              <a:t>04/09/23</a:t>
             </a:fld>
             <a:endParaRPr lang="en-IT"/>
           </a:p>
@@ -697,7 +697,7 @@
           <a:p>
             <a:fld id="{6016B5EF-79D3-4454-B757-5455D60E12BE}" type="datetimeFigureOut">
               <a:rPr lang="en-IN" smtClean="0"/>
-              <a:t>03/09/23</a:t>
+              <a:t>04/09/23</a:t>
             </a:fld>
             <a:endParaRPr lang="en-IN"/>
           </a:p>
@@ -1031,7 +1031,7 @@
           <a:p>
             <a:fld id="{6016B5EF-79D3-4454-B757-5455D60E12BE}" type="datetimeFigureOut">
               <a:rPr lang="en-IN" smtClean="0"/>
-              <a:t>03/09/23</a:t>
+              <a:t>04/09/23</a:t>
             </a:fld>
             <a:endParaRPr lang="en-IN"/>
           </a:p>
@@ -1309,7 +1309,7 @@
           <a:p>
             <a:fld id="{6016B5EF-79D3-4454-B757-5455D60E12BE}" type="datetimeFigureOut">
               <a:rPr lang="en-IN" smtClean="0"/>
-              <a:t>03/09/23</a:t>
+              <a:t>04/09/23</a:t>
             </a:fld>
             <a:endParaRPr lang="en-IN"/>
           </a:p>
@@ -1877,7 +1877,7 @@
           <a:p>
             <a:fld id="{6016B5EF-79D3-4454-B757-5455D60E12BE}" type="datetimeFigureOut">
               <a:rPr lang="en-IN" smtClean="0"/>
-              <a:t>03/09/23</a:t>
+              <a:t>04/09/23</a:t>
             </a:fld>
             <a:endParaRPr lang="en-IN"/>
           </a:p>
@@ -2155,7 +2155,7 @@
           <a:p>
             <a:fld id="{6016B5EF-79D3-4454-B757-5455D60E12BE}" type="datetimeFigureOut">
               <a:rPr lang="en-IN" smtClean="0"/>
-              <a:t>03/09/23</a:t>
+              <a:t>04/09/23</a:t>
             </a:fld>
             <a:endParaRPr lang="en-IN"/>
           </a:p>
@@ -2717,7 +2717,7 @@
           <a:p>
             <a:fld id="{6016B5EF-79D3-4454-B757-5455D60E12BE}" type="datetimeFigureOut">
               <a:rPr lang="en-IN" smtClean="0"/>
-              <a:t>03/09/23</a:t>
+              <a:t>04/09/23</a:t>
             </a:fld>
             <a:endParaRPr lang="en-IN"/>
           </a:p>
@@ -3044,7 +3044,7 @@
           <a:p>
             <a:fld id="{6016B5EF-79D3-4454-B757-5455D60E12BE}" type="datetimeFigureOut">
               <a:rPr lang="en-IN" smtClean="0"/>
-              <a:t>03/09/23</a:t>
+              <a:t>04/09/23</a:t>
             </a:fld>
             <a:endParaRPr lang="en-IN"/>
           </a:p>
@@ -3221,7 +3221,7 @@
           <a:p>
             <a:fld id="{6016B5EF-79D3-4454-B757-5455D60E12BE}" type="datetimeFigureOut">
               <a:rPr lang="en-IN" smtClean="0"/>
-              <a:t>03/09/23</a:t>
+              <a:t>04/09/23</a:t>
             </a:fld>
             <a:endParaRPr lang="en-IN"/>
           </a:p>
@@ -3459,7 +3459,7 @@
           <a:p>
             <a:fld id="{6016B5EF-79D3-4454-B757-5455D60E12BE}" type="datetimeFigureOut">
               <a:rPr lang="en-IN" smtClean="0"/>
-              <a:t>03/09/23</a:t>
+              <a:t>04/09/23</a:t>
             </a:fld>
             <a:endParaRPr lang="en-IN"/>
           </a:p>
@@ -3659,7 +3659,7 @@
           <a:p>
             <a:fld id="{6016B5EF-79D3-4454-B757-5455D60E12BE}" type="datetimeFigureOut">
               <a:rPr lang="en-IN" smtClean="0"/>
-              <a:t>03/09/23</a:t>
+              <a:t>04/09/23</a:t>
             </a:fld>
             <a:endParaRPr lang="en-IN"/>
           </a:p>
@@ -3935,7 +3935,7 @@
           <a:p>
             <a:fld id="{6016B5EF-79D3-4454-B757-5455D60E12BE}" type="datetimeFigureOut">
               <a:rPr lang="en-IN" smtClean="0"/>
-              <a:t>03/09/23</a:t>
+              <a:t>04/09/23</a:t>
             </a:fld>
             <a:endParaRPr lang="en-IN"/>
           </a:p>
@@ -4201,7 +4201,7 @@
           <a:p>
             <a:fld id="{6016B5EF-79D3-4454-B757-5455D60E12BE}" type="datetimeFigureOut">
               <a:rPr lang="en-IN" smtClean="0"/>
-              <a:t>03/09/23</a:t>
+              <a:t>04/09/23</a:t>
             </a:fld>
             <a:endParaRPr lang="en-IN"/>
           </a:p>
@@ -4575,7 +4575,7 @@
           <a:p>
             <a:fld id="{6016B5EF-79D3-4454-B757-5455D60E12BE}" type="datetimeFigureOut">
               <a:rPr lang="en-IN" smtClean="0"/>
-              <a:t>03/09/23</a:t>
+              <a:t>04/09/23</a:t>
             </a:fld>
             <a:endParaRPr lang="en-IN"/>
           </a:p>
@@ -4723,7 +4723,7 @@
           <a:p>
             <a:fld id="{6016B5EF-79D3-4454-B757-5455D60E12BE}" type="datetimeFigureOut">
               <a:rPr lang="en-IN" smtClean="0"/>
-              <a:t>03/09/23</a:t>
+              <a:t>04/09/23</a:t>
             </a:fld>
             <a:endParaRPr lang="en-IN"/>
           </a:p>
@@ -4848,7 +4848,7 @@
           <a:p>
             <a:fld id="{6016B5EF-79D3-4454-B757-5455D60E12BE}" type="datetimeFigureOut">
               <a:rPr lang="en-IN" smtClean="0"/>
-              <a:t>03/09/23</a:t>
+              <a:t>04/09/23</a:t>
             </a:fld>
             <a:endParaRPr lang="en-IN"/>
           </a:p>
@@ -5133,7 +5133,7 @@
           <a:p>
             <a:fld id="{6016B5EF-79D3-4454-B757-5455D60E12BE}" type="datetimeFigureOut">
               <a:rPr lang="en-IN" smtClean="0"/>
-              <a:t>03/09/23</a:t>
+              <a:t>04/09/23</a:t>
             </a:fld>
             <a:endParaRPr lang="en-IN"/>
           </a:p>
@@ -5457,7 +5457,7 @@
           <a:p>
             <a:fld id="{6016B5EF-79D3-4454-B757-5455D60E12BE}" type="datetimeFigureOut">
               <a:rPr lang="en-IN" smtClean="0"/>
-              <a:t>03/09/23</a:t>
+              <a:t>04/09/23</a:t>
             </a:fld>
             <a:endParaRPr lang="en-IN"/>
           </a:p>
@@ -5671,7 +5671,7 @@
           <a:p>
             <a:fld id="{6016B5EF-79D3-4454-B757-5455D60E12BE}" type="datetimeFigureOut">
               <a:rPr lang="en-IN" smtClean="0"/>
-              <a:t>03/09/23</a:t>
+              <a:t>04/09/23</a:t>
             </a:fld>
             <a:endParaRPr lang="en-IN"/>
           </a:p>
@@ -7647,12 +7647,12 @@
                     <a:p>
                       <a:pPr algn="l" fontAlgn="b"/>
                       <a:r>
-                        <a:rPr lang="en-GB" sz="1200" u="none" strike="noStrike">
+                        <a:rPr lang="en-GB" sz="1200" u="none" strike="noStrike" dirty="0">
                           <a:effectLst/>
                         </a:rPr>
                         <a:t>Big Data Engineer</a:t>
                       </a:r>
-                      <a:endParaRPr lang="en-GB" sz="1200" b="0" i="0" u="none" strike="noStrike">
+                      <a:endParaRPr lang="en-GB" sz="1200" b="0" i="0" u="none" strike="noStrike" dirty="0">
                         <a:solidFill>
                           <a:srgbClr val="000000"/>
                         </a:solidFill>
